--- a/figures_for_upload/effect_mod_dlnm_results.pptx
+++ b/figures_for_upload/effect_mod_dlnm_results.pptx
@@ -6,6 +6,7 @@
   </p:sldMasterIdLst>
   <p:sldIdLst>
     <p:sldId id="256" r:id="rId2"/>
+    <p:sldId id="257" r:id="rId3"/>
   </p:sldIdLst>
   <p:sldSz cx="12192000" cy="6858000"/>
   <p:notesSz cx="6858000" cy="9144000"/>
@@ -259,7 +260,7 @@
           <a:p>
             <a:fld id="{7D20222A-834B-6B4F-9054-193EDFA28F88}" type="datetimeFigureOut">
               <a:rPr lang="en-US" smtClean="0"/>
-              <a:t>1/3/25</a:t>
+              <a:t>1/28/25</a:t>
             </a:fld>
             <a:endParaRPr lang="en-US"/>
           </a:p>
@@ -457,7 +458,7 @@
           <a:p>
             <a:fld id="{7D20222A-834B-6B4F-9054-193EDFA28F88}" type="datetimeFigureOut">
               <a:rPr lang="en-US" smtClean="0"/>
-              <a:t>1/3/25</a:t>
+              <a:t>1/28/25</a:t>
             </a:fld>
             <a:endParaRPr lang="en-US"/>
           </a:p>
@@ -665,7 +666,7 @@
           <a:p>
             <a:fld id="{7D20222A-834B-6B4F-9054-193EDFA28F88}" type="datetimeFigureOut">
               <a:rPr lang="en-US" smtClean="0"/>
-              <a:t>1/3/25</a:t>
+              <a:t>1/28/25</a:t>
             </a:fld>
             <a:endParaRPr lang="en-US"/>
           </a:p>
@@ -863,7 +864,7 @@
           <a:p>
             <a:fld id="{7D20222A-834B-6B4F-9054-193EDFA28F88}" type="datetimeFigureOut">
               <a:rPr lang="en-US" smtClean="0"/>
-              <a:t>1/3/25</a:t>
+              <a:t>1/28/25</a:t>
             </a:fld>
             <a:endParaRPr lang="en-US"/>
           </a:p>
@@ -1138,7 +1139,7 @@
           <a:p>
             <a:fld id="{7D20222A-834B-6B4F-9054-193EDFA28F88}" type="datetimeFigureOut">
               <a:rPr lang="en-US" smtClean="0"/>
-              <a:t>1/3/25</a:t>
+              <a:t>1/28/25</a:t>
             </a:fld>
             <a:endParaRPr lang="en-US"/>
           </a:p>
@@ -1403,7 +1404,7 @@
           <a:p>
             <a:fld id="{7D20222A-834B-6B4F-9054-193EDFA28F88}" type="datetimeFigureOut">
               <a:rPr lang="en-US" smtClean="0"/>
-              <a:t>1/3/25</a:t>
+              <a:t>1/28/25</a:t>
             </a:fld>
             <a:endParaRPr lang="en-US"/>
           </a:p>
@@ -1815,7 +1816,7 @@
           <a:p>
             <a:fld id="{7D20222A-834B-6B4F-9054-193EDFA28F88}" type="datetimeFigureOut">
               <a:rPr lang="en-US" smtClean="0"/>
-              <a:t>1/3/25</a:t>
+              <a:t>1/28/25</a:t>
             </a:fld>
             <a:endParaRPr lang="en-US"/>
           </a:p>
@@ -1956,7 +1957,7 @@
           <a:p>
             <a:fld id="{7D20222A-834B-6B4F-9054-193EDFA28F88}" type="datetimeFigureOut">
               <a:rPr lang="en-US" smtClean="0"/>
-              <a:t>1/3/25</a:t>
+              <a:t>1/28/25</a:t>
             </a:fld>
             <a:endParaRPr lang="en-US"/>
           </a:p>
@@ -2069,7 +2070,7 @@
           <a:p>
             <a:fld id="{7D20222A-834B-6B4F-9054-193EDFA28F88}" type="datetimeFigureOut">
               <a:rPr lang="en-US" smtClean="0"/>
-              <a:t>1/3/25</a:t>
+              <a:t>1/28/25</a:t>
             </a:fld>
             <a:endParaRPr lang="en-US"/>
           </a:p>
@@ -2380,7 +2381,7 @@
           <a:p>
             <a:fld id="{7D20222A-834B-6B4F-9054-193EDFA28F88}" type="datetimeFigureOut">
               <a:rPr lang="en-US" smtClean="0"/>
-              <a:t>1/3/25</a:t>
+              <a:t>1/28/25</a:t>
             </a:fld>
             <a:endParaRPr lang="en-US"/>
           </a:p>
@@ -2668,7 +2669,7 @@
           <a:p>
             <a:fld id="{7D20222A-834B-6B4F-9054-193EDFA28F88}" type="datetimeFigureOut">
               <a:rPr lang="en-US" smtClean="0"/>
-              <a:t>1/3/25</a:t>
+              <a:t>1/28/25</a:t>
             </a:fld>
             <a:endParaRPr lang="en-US"/>
           </a:p>
@@ -2909,7 +2910,7 @@
           <a:p>
             <a:fld id="{7D20222A-834B-6B4F-9054-193EDFA28F88}" type="datetimeFigureOut">
               <a:rPr lang="en-US" smtClean="0"/>
-              <a:t>1/3/25</a:t>
+              <a:t>1/28/25</a:t>
             </a:fld>
             <a:endParaRPr lang="en-US"/>
           </a:p>
@@ -4950,6 +4951,513 @@
 </p:sld>
 </file>
 
+<file path=ppt/slides/slide2.xml><?xml version="1.0" encoding="utf-8"?>
+<p:sld xmlns:a="http://schemas.openxmlformats.org/drawingml/2006/main" xmlns:r="http://schemas.openxmlformats.org/officeDocument/2006/relationships" xmlns:p="http://schemas.openxmlformats.org/presentationml/2006/main">
+  <p:cSld>
+    <p:spTree>
+      <p:nvGrpSpPr>
+        <p:cNvPr id="1" name=""/>
+        <p:cNvGrpSpPr/>
+        <p:nvPr/>
+      </p:nvGrpSpPr>
+      <p:grpSpPr>
+        <a:xfrm>
+          <a:off x="0" y="0"/>
+          <a:ext cx="0" cy="0"/>
+          <a:chOff x="0" y="0"/>
+          <a:chExt cx="0" cy="0"/>
+        </a:xfrm>
+      </p:grpSpPr>
+      <p:pic>
+        <p:nvPicPr>
+          <p:cNvPr id="4" name="Picture 3">
+            <a:extLst>
+              <a:ext uri="{FF2B5EF4-FFF2-40B4-BE49-F238E27FC236}">
+                <a16:creationId xmlns:a16="http://schemas.microsoft.com/office/drawing/2014/main" id="{1200859F-259B-A93D-5EC6-BB36AD08AE5B}"/>
+              </a:ext>
+            </a:extLst>
+          </p:cNvPr>
+          <p:cNvPicPr>
+            <a:picLocks noChangeAspect="1"/>
+          </p:cNvPicPr>
+          <p:nvPr/>
+        </p:nvPicPr>
+        <p:blipFill>
+          <a:blip r:embed="rId2"/>
+          <a:srcRect l="630"/>
+          <a:stretch/>
+        </p:blipFill>
+        <p:spPr>
+          <a:xfrm>
+            <a:off x="2249213" y="97795"/>
+            <a:ext cx="6369269" cy="6497446"/>
+          </a:xfrm>
+          <a:prstGeom prst="rect">
+            <a:avLst/>
+          </a:prstGeom>
+        </p:spPr>
+      </p:pic>
+      <p:pic>
+        <p:nvPicPr>
+          <p:cNvPr id="6" name="Picture 5">
+            <a:extLst>
+              <a:ext uri="{FF2B5EF4-FFF2-40B4-BE49-F238E27FC236}">
+                <a16:creationId xmlns:a16="http://schemas.microsoft.com/office/drawing/2014/main" id="{6C760E1B-B5A2-601A-CCD8-64BFFAA77CD7}"/>
+              </a:ext>
+            </a:extLst>
+          </p:cNvPr>
+          <p:cNvPicPr>
+            <a:picLocks noChangeAspect="1"/>
+          </p:cNvPicPr>
+          <p:nvPr/>
+        </p:nvPicPr>
+        <p:blipFill>
+          <a:blip r:embed="rId3"/>
+          <a:srcRect l="7044" t="11047" r="83498" b="77203"/>
+          <a:stretch/>
+        </p:blipFill>
+        <p:spPr>
+          <a:xfrm>
+            <a:off x="8618484" y="5223641"/>
+            <a:ext cx="252249" cy="241737"/>
+          </a:xfrm>
+          <a:prstGeom prst="rect">
+            <a:avLst/>
+          </a:prstGeom>
+        </p:spPr>
+      </p:pic>
+      <p:pic>
+        <p:nvPicPr>
+          <p:cNvPr id="7" name="Picture 6">
+            <a:extLst>
+              <a:ext uri="{FF2B5EF4-FFF2-40B4-BE49-F238E27FC236}">
+                <a16:creationId xmlns:a16="http://schemas.microsoft.com/office/drawing/2014/main" id="{1748A520-86A4-B1EF-5B6F-3263A806F87F}"/>
+              </a:ext>
+            </a:extLst>
+          </p:cNvPr>
+          <p:cNvPicPr>
+            <a:picLocks noChangeAspect="1"/>
+          </p:cNvPicPr>
+          <p:nvPr/>
+        </p:nvPicPr>
+        <p:blipFill>
+          <a:blip r:embed="rId3"/>
+          <a:srcRect l="7044" t="21264" r="83498" b="66986"/>
+          <a:stretch/>
+        </p:blipFill>
+        <p:spPr>
+          <a:xfrm>
+            <a:off x="8618483" y="5423336"/>
+            <a:ext cx="252249" cy="241737"/>
+          </a:xfrm>
+          <a:prstGeom prst="rect">
+            <a:avLst/>
+          </a:prstGeom>
+        </p:spPr>
+      </p:pic>
+      <p:pic>
+        <p:nvPicPr>
+          <p:cNvPr id="8" name="Picture 7">
+            <a:extLst>
+              <a:ext uri="{FF2B5EF4-FFF2-40B4-BE49-F238E27FC236}">
+                <a16:creationId xmlns:a16="http://schemas.microsoft.com/office/drawing/2014/main" id="{58F6DA85-8B9A-0C25-B6A6-5BD82F13DD8B}"/>
+              </a:ext>
+            </a:extLst>
+          </p:cNvPr>
+          <p:cNvPicPr>
+            <a:picLocks noChangeAspect="1"/>
+          </p:cNvPicPr>
+          <p:nvPr/>
+        </p:nvPicPr>
+        <p:blipFill>
+          <a:blip r:embed="rId3"/>
+          <a:srcRect l="7044" t="70485" r="83498" b="17765"/>
+          <a:stretch/>
+        </p:blipFill>
+        <p:spPr>
+          <a:xfrm>
+            <a:off x="8618484" y="3841525"/>
+            <a:ext cx="252249" cy="241737"/>
+          </a:xfrm>
+          <a:prstGeom prst="rect">
+            <a:avLst/>
+          </a:prstGeom>
+        </p:spPr>
+      </p:pic>
+      <p:pic>
+        <p:nvPicPr>
+          <p:cNvPr id="9" name="Picture 8">
+            <a:extLst>
+              <a:ext uri="{FF2B5EF4-FFF2-40B4-BE49-F238E27FC236}">
+                <a16:creationId xmlns:a16="http://schemas.microsoft.com/office/drawing/2014/main" id="{ECD6977F-2CFF-112A-B98D-57C008EA0633}"/>
+              </a:ext>
+            </a:extLst>
+          </p:cNvPr>
+          <p:cNvPicPr>
+            <a:picLocks noChangeAspect="1"/>
+          </p:cNvPicPr>
+          <p:nvPr/>
+        </p:nvPicPr>
+        <p:blipFill>
+          <a:blip r:embed="rId3"/>
+          <a:srcRect l="7044" t="80522" r="83498" b="7728"/>
+          <a:stretch/>
+        </p:blipFill>
+        <p:spPr>
+          <a:xfrm>
+            <a:off x="8618483" y="4041221"/>
+            <a:ext cx="252249" cy="241737"/>
+          </a:xfrm>
+          <a:prstGeom prst="rect">
+            <a:avLst/>
+          </a:prstGeom>
+        </p:spPr>
+      </p:pic>
+      <p:pic>
+        <p:nvPicPr>
+          <p:cNvPr id="10" name="Picture 9">
+            <a:extLst>
+              <a:ext uri="{FF2B5EF4-FFF2-40B4-BE49-F238E27FC236}">
+                <a16:creationId xmlns:a16="http://schemas.microsoft.com/office/drawing/2014/main" id="{8297EF5C-2A0B-97E5-80FD-484F5B4F6079}"/>
+              </a:ext>
+            </a:extLst>
+          </p:cNvPr>
+          <p:cNvPicPr>
+            <a:picLocks noChangeAspect="1"/>
+          </p:cNvPicPr>
+          <p:nvPr/>
+        </p:nvPicPr>
+        <p:blipFill>
+          <a:blip r:embed="rId3"/>
+          <a:srcRect l="7044" t="51900" r="83498" b="36350"/>
+          <a:stretch/>
+        </p:blipFill>
+        <p:spPr>
+          <a:xfrm>
+            <a:off x="8628994" y="2375334"/>
+            <a:ext cx="252249" cy="241737"/>
+          </a:xfrm>
+          <a:prstGeom prst="rect">
+            <a:avLst/>
+          </a:prstGeom>
+        </p:spPr>
+      </p:pic>
+      <p:pic>
+        <p:nvPicPr>
+          <p:cNvPr id="11" name="Picture 10">
+            <a:extLst>
+              <a:ext uri="{FF2B5EF4-FFF2-40B4-BE49-F238E27FC236}">
+                <a16:creationId xmlns:a16="http://schemas.microsoft.com/office/drawing/2014/main" id="{C5EFE687-71A1-5481-C785-945EF95A9BB1}"/>
+              </a:ext>
+            </a:extLst>
+          </p:cNvPr>
+          <p:cNvPicPr>
+            <a:picLocks noChangeAspect="1"/>
+          </p:cNvPicPr>
+          <p:nvPr/>
+        </p:nvPicPr>
+        <p:blipFill>
+          <a:blip r:embed="rId3"/>
+          <a:srcRect l="7044" t="60535" r="83498" b="27715"/>
+          <a:stretch/>
+        </p:blipFill>
+        <p:spPr>
+          <a:xfrm>
+            <a:off x="8628993" y="2554010"/>
+            <a:ext cx="252249" cy="241737"/>
+          </a:xfrm>
+          <a:prstGeom prst="rect">
+            <a:avLst/>
+          </a:prstGeom>
+        </p:spPr>
+      </p:pic>
+      <p:pic>
+        <p:nvPicPr>
+          <p:cNvPr id="12" name="Picture 11">
+            <a:extLst>
+              <a:ext uri="{FF2B5EF4-FFF2-40B4-BE49-F238E27FC236}">
+                <a16:creationId xmlns:a16="http://schemas.microsoft.com/office/drawing/2014/main" id="{14CF223C-A50D-6227-67F5-8C4C91E6B3A1}"/>
+              </a:ext>
+            </a:extLst>
+          </p:cNvPr>
+          <p:cNvPicPr>
+            <a:picLocks noChangeAspect="1"/>
+          </p:cNvPicPr>
+          <p:nvPr/>
+        </p:nvPicPr>
+        <p:blipFill>
+          <a:blip r:embed="rId3"/>
+          <a:srcRect l="6650" t="42225" r="83892" b="46025"/>
+          <a:stretch/>
+        </p:blipFill>
+        <p:spPr>
+          <a:xfrm>
+            <a:off x="8618483" y="942274"/>
+            <a:ext cx="252249" cy="241737"/>
+          </a:xfrm>
+          <a:prstGeom prst="rect">
+            <a:avLst/>
+          </a:prstGeom>
+        </p:spPr>
+      </p:pic>
+      <p:pic>
+        <p:nvPicPr>
+          <p:cNvPr id="13" name="Picture 12">
+            <a:extLst>
+              <a:ext uri="{FF2B5EF4-FFF2-40B4-BE49-F238E27FC236}">
+                <a16:creationId xmlns:a16="http://schemas.microsoft.com/office/drawing/2014/main" id="{2081571D-ED4D-C91C-A834-ED0D998A1AF0}"/>
+              </a:ext>
+            </a:extLst>
+          </p:cNvPr>
+          <p:cNvPicPr>
+            <a:picLocks noChangeAspect="1"/>
+          </p:cNvPicPr>
+          <p:nvPr/>
+        </p:nvPicPr>
+        <p:blipFill>
+          <a:blip r:embed="rId3"/>
+          <a:srcRect l="6650" t="31684" r="83892" b="56566"/>
+          <a:stretch/>
+        </p:blipFill>
+        <p:spPr>
+          <a:xfrm>
+            <a:off x="8618482" y="1131460"/>
+            <a:ext cx="252249" cy="241737"/>
+          </a:xfrm>
+          <a:prstGeom prst="rect">
+            <a:avLst/>
+          </a:prstGeom>
+        </p:spPr>
+      </p:pic>
+      <p:sp>
+        <p:nvSpPr>
+          <p:cNvPr id="14" name="TextBox 13">
+            <a:extLst>
+              <a:ext uri="{FF2B5EF4-FFF2-40B4-BE49-F238E27FC236}">
+                <a16:creationId xmlns:a16="http://schemas.microsoft.com/office/drawing/2014/main" id="{6AB63C71-C056-856F-3FEA-5F474931889C}"/>
+              </a:ext>
+            </a:extLst>
+          </p:cNvPr>
+          <p:cNvSpPr txBox="1"/>
+          <p:nvPr/>
+        </p:nvSpPr>
+        <p:spPr>
+          <a:xfrm>
+            <a:off x="8870731" y="942274"/>
+            <a:ext cx="968535" cy="430887"/>
+          </a:xfrm>
+          <a:prstGeom prst="rect">
+            <a:avLst/>
+          </a:prstGeom>
+          <a:noFill/>
+        </p:spPr>
+        <p:txBody>
+          <a:bodyPr wrap="none" rtlCol="0">
+            <a:spAutoFit/>
+          </a:bodyPr>
+          <a:lstStyle/>
+          <a:p>
+            <a:r>
+              <a:rPr lang="en-US" sz="1100" dirty="0">
+                <a:latin typeface="Arial" panose="020B0604020202020204" pitchFamily="34" charset="0"/>
+                <a:cs typeface="Arial" panose="020B0604020202020204" pitchFamily="34" charset="0"/>
+              </a:rPr>
+              <a:t>Age 65– 75</a:t>
+            </a:r>
+          </a:p>
+          <a:p>
+            <a:r>
+              <a:rPr lang="en-US" sz="1100" dirty="0">
+                <a:latin typeface="Arial" panose="020B0604020202020204" pitchFamily="34" charset="0"/>
+                <a:cs typeface="Arial" panose="020B0604020202020204" pitchFamily="34" charset="0"/>
+              </a:rPr>
+              <a:t>75 and older</a:t>
+            </a:r>
+          </a:p>
+        </p:txBody>
+      </p:sp>
+      <p:sp>
+        <p:nvSpPr>
+          <p:cNvPr id="15" name="TextBox 14">
+            <a:extLst>
+              <a:ext uri="{FF2B5EF4-FFF2-40B4-BE49-F238E27FC236}">
+                <a16:creationId xmlns:a16="http://schemas.microsoft.com/office/drawing/2014/main" id="{20B7DA3B-11DB-D81B-F2F3-26F95ED3A04E}"/>
+              </a:ext>
+            </a:extLst>
+          </p:cNvPr>
+          <p:cNvSpPr txBox="1"/>
+          <p:nvPr/>
+        </p:nvSpPr>
+        <p:spPr>
+          <a:xfrm>
+            <a:off x="8881242" y="2364860"/>
+            <a:ext cx="655949" cy="430887"/>
+          </a:xfrm>
+          <a:prstGeom prst="rect">
+            <a:avLst/>
+          </a:prstGeom>
+          <a:noFill/>
+        </p:spPr>
+        <p:txBody>
+          <a:bodyPr wrap="none" rtlCol="0">
+            <a:spAutoFit/>
+          </a:bodyPr>
+          <a:lstStyle/>
+          <a:p>
+            <a:r>
+              <a:rPr lang="en-US" sz="1100" dirty="0">
+                <a:latin typeface="Arial" panose="020B0604020202020204" pitchFamily="34" charset="0"/>
+                <a:cs typeface="Arial" panose="020B0604020202020204" pitchFamily="34" charset="0"/>
+              </a:rPr>
+              <a:t>Female</a:t>
+            </a:r>
+          </a:p>
+          <a:p>
+            <a:r>
+              <a:rPr lang="en-US" sz="1100" dirty="0">
+                <a:latin typeface="Arial" panose="020B0604020202020204" pitchFamily="34" charset="0"/>
+                <a:cs typeface="Arial" panose="020B0604020202020204" pitchFamily="34" charset="0"/>
+              </a:rPr>
+              <a:t>Male</a:t>
+            </a:r>
+          </a:p>
+        </p:txBody>
+      </p:sp>
+      <p:sp>
+        <p:nvSpPr>
+          <p:cNvPr id="16" name="TextBox 15">
+            <a:extLst>
+              <a:ext uri="{FF2B5EF4-FFF2-40B4-BE49-F238E27FC236}">
+                <a16:creationId xmlns:a16="http://schemas.microsoft.com/office/drawing/2014/main" id="{A8DE942B-F553-A9B8-2661-403AA5864A71}"/>
+              </a:ext>
+            </a:extLst>
+          </p:cNvPr>
+          <p:cNvSpPr txBox="1"/>
+          <p:nvPr/>
+        </p:nvSpPr>
+        <p:spPr>
+          <a:xfrm>
+            <a:off x="8881242" y="3836288"/>
+            <a:ext cx="970137" cy="430887"/>
+          </a:xfrm>
+          <a:prstGeom prst="rect">
+            <a:avLst/>
+          </a:prstGeom>
+          <a:noFill/>
+        </p:spPr>
+        <p:txBody>
+          <a:bodyPr wrap="none" rtlCol="0">
+            <a:spAutoFit/>
+          </a:bodyPr>
+          <a:lstStyle/>
+          <a:p>
+            <a:r>
+              <a:rPr lang="en-US" sz="1100" dirty="0">
+                <a:latin typeface="Arial" panose="020B0604020202020204" pitchFamily="34" charset="0"/>
+                <a:cs typeface="Arial" panose="020B0604020202020204" pitchFamily="34" charset="0"/>
+              </a:rPr>
+              <a:t>Medicaid</a:t>
+            </a:r>
+          </a:p>
+          <a:p>
+            <a:r>
+              <a:rPr lang="en-US" sz="1100" dirty="0">
+                <a:latin typeface="Arial" panose="020B0604020202020204" pitchFamily="34" charset="0"/>
+                <a:cs typeface="Arial" panose="020B0604020202020204" pitchFamily="34" charset="0"/>
+              </a:rPr>
+              <a:t>No Medicaid</a:t>
+            </a:r>
+          </a:p>
+        </p:txBody>
+      </p:sp>
+      <p:sp>
+        <p:nvSpPr>
+          <p:cNvPr id="17" name="TextBox 16">
+            <a:extLst>
+              <a:ext uri="{FF2B5EF4-FFF2-40B4-BE49-F238E27FC236}">
+                <a16:creationId xmlns:a16="http://schemas.microsoft.com/office/drawing/2014/main" id="{5C6DEDE1-D8BB-32F9-DF81-ADC62CF50A6C}"/>
+              </a:ext>
+            </a:extLst>
+          </p:cNvPr>
+          <p:cNvSpPr txBox="1"/>
+          <p:nvPr/>
+        </p:nvSpPr>
+        <p:spPr>
+          <a:xfrm>
+            <a:off x="8861806" y="5223640"/>
+            <a:ext cx="1455848" cy="430887"/>
+          </a:xfrm>
+          <a:prstGeom prst="rect">
+            <a:avLst/>
+          </a:prstGeom>
+          <a:noFill/>
+        </p:spPr>
+        <p:txBody>
+          <a:bodyPr wrap="none" rtlCol="0">
+            <a:spAutoFit/>
+          </a:bodyPr>
+          <a:lstStyle/>
+          <a:p>
+            <a:r>
+              <a:rPr lang="en-US" sz="1100" dirty="0">
+                <a:latin typeface="Arial" panose="020B0604020202020204" pitchFamily="34" charset="0"/>
+                <a:cs typeface="Arial" panose="020B0604020202020204" pitchFamily="34" charset="0"/>
+              </a:rPr>
+              <a:t>1</a:t>
+            </a:r>
+            <a:r>
+              <a:rPr lang="en-US" sz="1100" baseline="30000" dirty="0">
+                <a:latin typeface="Arial" panose="020B0604020202020204" pitchFamily="34" charset="0"/>
+                <a:cs typeface="Arial" panose="020B0604020202020204" pitchFamily="34" charset="0"/>
+              </a:rPr>
+              <a:t>st</a:t>
+            </a:r>
+            <a:r>
+              <a:rPr lang="en-US" sz="1100" dirty="0">
+                <a:latin typeface="Arial" panose="020B0604020202020204" pitchFamily="34" charset="0"/>
+                <a:cs typeface="Arial" panose="020B0604020202020204" pitchFamily="34" charset="0"/>
+              </a:rPr>
+              <a:t> quartile DME use</a:t>
+            </a:r>
+          </a:p>
+          <a:p>
+            <a:r>
+              <a:rPr lang="en-US" sz="1100" dirty="0">
+                <a:latin typeface="Arial" panose="020B0604020202020204" pitchFamily="34" charset="0"/>
+                <a:cs typeface="Arial" panose="020B0604020202020204" pitchFamily="34" charset="0"/>
+              </a:rPr>
+              <a:t>4</a:t>
+            </a:r>
+            <a:r>
+              <a:rPr lang="en-US" sz="1100" baseline="30000" dirty="0">
+                <a:latin typeface="Arial" panose="020B0604020202020204" pitchFamily="34" charset="0"/>
+                <a:cs typeface="Arial" panose="020B0604020202020204" pitchFamily="34" charset="0"/>
+              </a:rPr>
+              <a:t>th</a:t>
+            </a:r>
+            <a:r>
+              <a:rPr lang="en-US" sz="1100" dirty="0">
+                <a:latin typeface="Arial" panose="020B0604020202020204" pitchFamily="34" charset="0"/>
+                <a:cs typeface="Arial" panose="020B0604020202020204" pitchFamily="34" charset="0"/>
+              </a:rPr>
+              <a:t> quartile DME use</a:t>
+            </a:r>
+          </a:p>
+        </p:txBody>
+      </p:sp>
+    </p:spTree>
+    <p:extLst>
+      <p:ext uri="{BB962C8B-B14F-4D97-AF65-F5344CB8AC3E}">
+        <p14:creationId xmlns:p14="http://schemas.microsoft.com/office/powerpoint/2010/main" val="3062324275"/>
+      </p:ext>
+    </p:extLst>
+  </p:cSld>
+  <p:clrMapOvr>
+    <a:masterClrMapping/>
+  </p:clrMapOvr>
+</p:sld>
+</file>
+
 <file path=ppt/theme/theme1.xml><?xml version="1.0" encoding="utf-8"?>
 <a:theme xmlns:a="http://schemas.openxmlformats.org/drawingml/2006/main" name="Office Theme">
   <a:themeElements>
